--- a/Group 1_Project 4_Stock Market Prediction & Analysis_vShare.pptx
+++ b/Group 1_Project 4_Stock Market Prediction & Analysis_vShare.pptx
@@ -253,7 +253,7 @@
             <a:fld id="{829360D9-EE13-214B-A57F-E76CAEF01036}" type="datetimeFigureOut">
               <a:rPr lang="ko-KR" altLang="en-US"/>
               <a:pPr/>
-              <a:t>2024-08-16</a:t>
+              <a:t>2024-08-19</a:t>
             </a:fld>
             <a:endParaRPr kumimoji="1" lang="ko-KR" altLang="en-US"/>
           </a:p>
@@ -432,7 +432,7 @@
             <a:fld id="{4DF2312D-A130-0042-BB4A-53F177B32192}" type="datetimeFigureOut">
               <a:rPr lang="ko-KR" altLang="en-US"/>
               <a:pPr/>
-              <a:t>2024-08-16</a:t>
+              <a:t>2024-08-19</a:t>
             </a:fld>
             <a:endParaRPr kumimoji="1" lang="ko-KR" altLang="en-US"/>
           </a:p>
@@ -4424,7 +4424,7 @@
             <a:fld id="{106ACEA5-0EA0-4748-B918-96FF4594033F}" type="datetimeFigureOut">
               <a:rPr lang="ko-KR" altLang="en-US" smtClean="0"/>
               <a:pPr/>
-              <a:t>2024-08-16</a:t>
+              <a:t>2024-08-19</a:t>
             </a:fld>
             <a:endParaRPr kumimoji="1" lang="ko-KR" altLang="en-US"/>
           </a:p>
@@ -5197,15 +5197,7 @@
                       <a:schemeClr val="bg1"/>
                     </a:solidFill>
                   </a:rPr>
-                  <a:t>Charly </a:t>
-                </a:r>
-                <a:r>
-                  <a:rPr kumimoji="1" lang="en" altLang="x-none" sz="1600" i="1" dirty="0">
-                    <a:solidFill>
-                      <a:srgbClr val="FF0000"/>
-                    </a:solidFill>
-                  </a:rPr>
-                  <a:t>[Last Name]</a:t>
+                  <a:t>Charly Ilunga</a:t>
                 </a:r>
                 <a:endParaRPr kumimoji="1" lang="x-none" altLang="en-US" sz="1600" i="1" dirty="0">
                   <a:solidFill>
